--- a/Защита.pptx
+++ b/Защита.pptx
@@ -5,17 +5,18 @@
     <p:sldMasterId id="2147483660" r:id="rId1"/>
   </p:sldMasterIdLst>
   <p:notesMasterIdLst>
-    <p:notesMasterId r:id="rId10"/>
+    <p:notesMasterId r:id="rId11"/>
   </p:notesMasterIdLst>
   <p:sldIdLst>
     <p:sldId id="256" r:id="rId2"/>
     <p:sldId id="262" r:id="rId3"/>
-    <p:sldId id="257" r:id="rId4"/>
-    <p:sldId id="258" r:id="rId5"/>
-    <p:sldId id="261" r:id="rId6"/>
-    <p:sldId id="263" r:id="rId7"/>
-    <p:sldId id="260" r:id="rId8"/>
-    <p:sldId id="264" r:id="rId9"/>
+    <p:sldId id="265" r:id="rId4"/>
+    <p:sldId id="257" r:id="rId5"/>
+    <p:sldId id="258" r:id="rId6"/>
+    <p:sldId id="261" r:id="rId7"/>
+    <p:sldId id="263" r:id="rId8"/>
+    <p:sldId id="260" r:id="rId9"/>
+    <p:sldId id="264" r:id="rId10"/>
   </p:sldIdLst>
   <p:sldSz cx="9144000" cy="6858000" type="screen4x3"/>
   <p:notesSz cx="6858000" cy="9144000"/>
@@ -532,7 +533,7 @@
           <a:p>
             <a:fld id="{E68C9E24-6832-49D3-BA20-EC9832EA726B}" type="slidenum">
               <a:rPr lang="ru-RU" smtClean="0"/>
-              <a:t>5</a:t>
+              <a:t>6</a:t>
             </a:fld>
             <a:endParaRPr lang="ru-RU"/>
           </a:p>
@@ -5089,6 +5090,120 @@
           <a:chExt cx="0" cy="0"/>
         </a:xfrm>
       </p:grpSpPr>
+      <p:sp>
+        <p:nvSpPr>
+          <p:cNvPr id="2" name="Заголовок 1"/>
+          <p:cNvSpPr>
+            <a:spLocks noGrp="1"/>
+          </p:cNvSpPr>
+          <p:nvPr>
+            <p:ph type="title"/>
+          </p:nvPr>
+        </p:nvSpPr>
+        <p:spPr/>
+        <p:txBody>
+          <a:bodyPr/>
+          <a:lstStyle/>
+          <a:p>
+            <a:r>
+              <a:rPr lang="ru-RU" dirty="0" smtClean="0"/>
+              <a:t>Для чего нужна игра?</a:t>
+            </a:r>
+            <a:endParaRPr lang="ru-RU" dirty="0"/>
+          </a:p>
+        </p:txBody>
+      </p:sp>
+      <p:sp>
+        <p:nvSpPr>
+          <p:cNvPr id="3" name="Текст 2"/>
+          <p:cNvSpPr>
+            <a:spLocks noGrp="1"/>
+          </p:cNvSpPr>
+          <p:nvPr>
+            <p:ph type="body" idx="1"/>
+          </p:nvPr>
+        </p:nvSpPr>
+        <p:spPr>
+          <a:xfrm>
+            <a:off x="1187625" y="3767316"/>
+            <a:ext cx="6768752" cy="1500187"/>
+          </a:xfrm>
+        </p:spPr>
+        <p:txBody>
+          <a:bodyPr>
+            <a:normAutofit/>
+          </a:bodyPr>
+          <a:lstStyle/>
+          <a:p>
+            <a:pPr marL="342900" indent="-342900" algn="l">
+              <a:buBlip>
+                <a:blip r:embed="rId2"/>
+              </a:buBlip>
+            </a:pPr>
+            <a:r>
+              <a:rPr lang="ru-RU" sz="2400" dirty="0" smtClean="0"/>
+              <a:t>Прокачка реакции и скорости мышления</a:t>
+            </a:r>
+            <a:r>
+              <a:rPr lang="en-US" sz="2400" dirty="0" smtClean="0"/>
+              <a:t>;</a:t>
+            </a:r>
+          </a:p>
+          <a:p>
+            <a:pPr marL="342900" indent="-342900" algn="l">
+              <a:buBlip>
+                <a:blip r:embed="rId2"/>
+              </a:buBlip>
+            </a:pPr>
+            <a:r>
+              <a:rPr lang="ru-RU" sz="2400" dirty="0" smtClean="0"/>
+              <a:t>Проведение </a:t>
+            </a:r>
+            <a:r>
+              <a:rPr lang="ru-RU" sz="2400" smtClean="0"/>
+              <a:t>свободного времени.</a:t>
+            </a:r>
+            <a:endParaRPr lang="ru-RU" sz="2400" dirty="0"/>
+          </a:p>
+        </p:txBody>
+      </p:sp>
+    </p:spTree>
+    <p:extLst>
+      <p:ext uri="{BB962C8B-B14F-4D97-AF65-F5344CB8AC3E}">
+        <p14:creationId xmlns:p14="http://schemas.microsoft.com/office/powerpoint/2010/main" val="2368284525"/>
+      </p:ext>
+    </p:extLst>
+  </p:cSld>
+  <p:clrMapOvr>
+    <a:masterClrMapping/>
+  </p:clrMapOvr>
+  <p:timing>
+    <p:tnLst>
+      <p:par>
+        <p:cTn id="1" dur="indefinite" restart="never" nodeType="tmRoot"/>
+      </p:par>
+    </p:tnLst>
+  </p:timing>
+</p:sld>
+</file>
+
+<file path=ppt/slides/slide4.xml><?xml version="1.0" encoding="utf-8"?>
+<p:sld xmlns:a="http://schemas.openxmlformats.org/drawingml/2006/main" xmlns:r="http://schemas.openxmlformats.org/officeDocument/2006/relationships" xmlns:p="http://schemas.openxmlformats.org/presentationml/2006/main">
+  <p:cSld>
+    <p:spTree>
+      <p:nvGrpSpPr>
+        <p:cNvPr id="1" name=""/>
+        <p:cNvGrpSpPr/>
+        <p:nvPr/>
+      </p:nvGrpSpPr>
+      <p:grpSpPr>
+        <a:xfrm>
+          <a:off x="0" y="0"/>
+          <a:ext cx="0" cy="0"/>
+          <a:chOff x="0" y="0"/>
+          <a:chExt cx="0" cy="0"/>
+        </a:xfrm>
+      </p:grpSpPr>
       <p:pic>
         <p:nvPicPr>
           <p:cNvPr id="1026" name="Picture 2"/>
@@ -5161,7 +5276,7 @@
 </p:sld>
 </file>
 
-<file path=ppt/slides/slide4.xml><?xml version="1.0" encoding="utf-8"?>
+<file path=ppt/slides/slide5.xml><?xml version="1.0" encoding="utf-8"?>
 <p:sld xmlns:a="http://schemas.openxmlformats.org/drawingml/2006/main" xmlns:r="http://schemas.openxmlformats.org/officeDocument/2006/relationships" xmlns:p="http://schemas.openxmlformats.org/presentationml/2006/main">
   <p:cSld>
     <p:spTree>
@@ -5250,7 +5365,7 @@
 </p:sld>
 </file>
 
-<file path=ppt/slides/slide5.xml><?xml version="1.0" encoding="utf-8"?>
+<file path=ppt/slides/slide6.xml><?xml version="1.0" encoding="utf-8"?>
 <p:sld xmlns:a="http://schemas.openxmlformats.org/drawingml/2006/main" xmlns:r="http://schemas.openxmlformats.org/officeDocument/2006/relationships" xmlns:p="http://schemas.openxmlformats.org/presentationml/2006/main">
   <p:cSld>
     <p:spTree>
@@ -6400,7 +6515,7 @@
 </p:sld>
 </file>
 
-<file path=ppt/slides/slide6.xml><?xml version="1.0" encoding="utf-8"?>
+<file path=ppt/slides/slide7.xml><?xml version="1.0" encoding="utf-8"?>
 <p:sld xmlns:a="http://schemas.openxmlformats.org/drawingml/2006/main" xmlns:r="http://schemas.openxmlformats.org/officeDocument/2006/relationships" xmlns:p="http://schemas.openxmlformats.org/presentationml/2006/main">
   <p:cSld>
     <p:spTree>
@@ -6579,7 +6694,7 @@
 </p:sld>
 </file>
 
-<file path=ppt/slides/slide7.xml><?xml version="1.0" encoding="utf-8"?>
+<file path=ppt/slides/slide8.xml><?xml version="1.0" encoding="utf-8"?>
 <p:sld xmlns:a="http://schemas.openxmlformats.org/drawingml/2006/main" xmlns:r="http://schemas.openxmlformats.org/officeDocument/2006/relationships" xmlns:p="http://schemas.openxmlformats.org/presentationml/2006/main">
   <p:cSld>
     <p:spTree>
@@ -6742,7 +6857,7 @@
 </p:sld>
 </file>
 
-<file path=ppt/slides/slide8.xml><?xml version="1.0" encoding="utf-8"?>
+<file path=ppt/slides/slide9.xml><?xml version="1.0" encoding="utf-8"?>
 <p:sld xmlns:a="http://schemas.openxmlformats.org/drawingml/2006/main" xmlns:r="http://schemas.openxmlformats.org/officeDocument/2006/relationships" xmlns:p="http://schemas.openxmlformats.org/presentationml/2006/main">
   <p:cSld>
     <p:spTree>
